--- a/Graphical User interfaces/Graphical User Interfaces.pptx
+++ b/Graphical User interfaces/Graphical User Interfaces.pptx
@@ -212,7 +212,7 @@
           <a:p>
             <a:fld id="{74E3525E-8181-4EEE-91F3-F1BE8BE216A4}" type="datetimeFigureOut">
               <a:rPr lang="fr-FR" smtClean="0"/>
-              <a:t>20/11/2011</a:t>
+              <a:t>21/11/2011</a:t>
             </a:fld>
             <a:endParaRPr lang="fr-FR"/>
           </a:p>
@@ -1010,15 +1010,7 @@
             </a:r>
             <a:r>
               <a:rPr lang="fr-FR" baseline="0" dirty="0" smtClean="0"/>
-              <a:t> use the </a:t>
-            </a:r>
-            <a:r>
-              <a:rPr lang="fr-FR" baseline="0" dirty="0" smtClean="0"/>
-              <a:t>top </a:t>
-            </a:r>
-            <a:r>
-              <a:rPr lang="fr-FR" baseline="0" dirty="0" smtClean="0"/>
-              <a:t>and up </a:t>
+              <a:t> use the top and up </a:t>
             </a:r>
             <a:r>
               <a:rPr lang="fr-FR" baseline="0" dirty="0" err="1" smtClean="0"/>
@@ -1082,11 +1074,7 @@
             </a:r>
             <a:r>
               <a:rPr lang="fr-FR" baseline="0" dirty="0" smtClean="0"/>
-              <a:t> the </a:t>
-            </a:r>
-            <a:r>
-              <a:rPr lang="fr-FR" baseline="0" dirty="0" smtClean="0"/>
-              <a:t>place, </a:t>
+              <a:t> the place, </a:t>
             </a:r>
             <a:r>
               <a:rPr lang="fr-FR" baseline="0" dirty="0" err="1" smtClean="0"/>
@@ -2529,7 +2517,7 @@
           <a:p>
             <a:fld id="{2103C4D7-05F7-4C5C-8E71-906567BCF78D}" type="datetimeFigureOut">
               <a:rPr lang="fr-FR" smtClean="0"/>
-              <a:t>20/11/2011</a:t>
+              <a:t>21/11/2011</a:t>
             </a:fld>
             <a:endParaRPr lang="fr-FR"/>
           </a:p>
@@ -2587,11 +2575,11 @@
   <p:clrMapOvr>
     <a:masterClrMapping/>
   </p:clrMapOvr>
-  <mc:AlternateContent xmlns:mc="http://schemas.openxmlformats.org/markup-compatibility/2006">
-    <mc:Choice xmlns:p14="http://schemas.microsoft.com/office/powerpoint/2010/main" Requires="p14">
+  <mc:AlternateContent xmlns:mc="http://schemas.openxmlformats.org/markup-compatibility/2006" xmlns:p14="http://schemas.microsoft.com/office/powerpoint/2010/main">
+    <mc:Choice Requires="p14">
       <p:transition spd="slow" p14:dur="2000" advClick="0"/>
     </mc:Choice>
-    <mc:Fallback>
+    <mc:Fallback xmlns="">
       <p:transition spd="slow" advClick="0"/>
     </mc:Fallback>
   </mc:AlternateContent>
@@ -2707,7 +2695,7 @@
           <a:p>
             <a:fld id="{2103C4D7-05F7-4C5C-8E71-906567BCF78D}" type="datetimeFigureOut">
               <a:rPr lang="fr-FR" smtClean="0"/>
-              <a:t>20/11/2011</a:t>
+              <a:t>21/11/2011</a:t>
             </a:fld>
             <a:endParaRPr lang="fr-FR"/>
           </a:p>
@@ -2765,11 +2753,11 @@
   <p:clrMapOvr>
     <a:masterClrMapping/>
   </p:clrMapOvr>
-  <mc:AlternateContent xmlns:mc="http://schemas.openxmlformats.org/markup-compatibility/2006">
-    <mc:Choice xmlns:p14="http://schemas.microsoft.com/office/powerpoint/2010/main" Requires="p14">
+  <mc:AlternateContent xmlns:mc="http://schemas.openxmlformats.org/markup-compatibility/2006" xmlns:p14="http://schemas.microsoft.com/office/powerpoint/2010/main">
+    <mc:Choice Requires="p14">
       <p:transition spd="slow" p14:dur="2000" advClick="0"/>
     </mc:Choice>
-    <mc:Fallback>
+    <mc:Fallback xmlns="">
       <p:transition spd="slow" advClick="0"/>
     </mc:Fallback>
   </mc:AlternateContent>
@@ -2895,7 +2883,7 @@
           <a:p>
             <a:fld id="{2103C4D7-05F7-4C5C-8E71-906567BCF78D}" type="datetimeFigureOut">
               <a:rPr lang="fr-FR" smtClean="0"/>
-              <a:t>20/11/2011</a:t>
+              <a:t>21/11/2011</a:t>
             </a:fld>
             <a:endParaRPr lang="fr-FR"/>
           </a:p>
@@ -2953,11 +2941,11 @@
   <p:clrMapOvr>
     <a:masterClrMapping/>
   </p:clrMapOvr>
-  <mc:AlternateContent xmlns:mc="http://schemas.openxmlformats.org/markup-compatibility/2006">
-    <mc:Choice xmlns:p14="http://schemas.microsoft.com/office/powerpoint/2010/main" Requires="p14">
+  <mc:AlternateContent xmlns:mc="http://schemas.openxmlformats.org/markup-compatibility/2006" xmlns:p14="http://schemas.microsoft.com/office/powerpoint/2010/main">
+    <mc:Choice Requires="p14">
       <p:transition spd="slow" p14:dur="2000" advClick="0"/>
     </mc:Choice>
-    <mc:Fallback>
+    <mc:Fallback xmlns="">
       <p:transition spd="slow" advClick="0"/>
     </mc:Fallback>
   </mc:AlternateContent>
@@ -3073,7 +3061,7 @@
           <a:p>
             <a:fld id="{2103C4D7-05F7-4C5C-8E71-906567BCF78D}" type="datetimeFigureOut">
               <a:rPr lang="fr-FR" smtClean="0"/>
-              <a:t>20/11/2011</a:t>
+              <a:t>21/11/2011</a:t>
             </a:fld>
             <a:endParaRPr lang="fr-FR"/>
           </a:p>
@@ -3131,11 +3119,11 @@
   <p:clrMapOvr>
     <a:masterClrMapping/>
   </p:clrMapOvr>
-  <mc:AlternateContent xmlns:mc="http://schemas.openxmlformats.org/markup-compatibility/2006">
-    <mc:Choice xmlns:p14="http://schemas.microsoft.com/office/powerpoint/2010/main" Requires="p14">
+  <mc:AlternateContent xmlns:mc="http://schemas.openxmlformats.org/markup-compatibility/2006" xmlns:p14="http://schemas.microsoft.com/office/powerpoint/2010/main">
+    <mc:Choice Requires="p14">
       <p:transition spd="slow" p14:dur="2000" advClick="0"/>
     </mc:Choice>
-    <mc:Fallback>
+    <mc:Fallback xmlns="">
       <p:transition spd="slow" advClick="0"/>
     </mc:Fallback>
   </mc:AlternateContent>
@@ -3327,7 +3315,7 @@
           <a:p>
             <a:fld id="{2103C4D7-05F7-4C5C-8E71-906567BCF78D}" type="datetimeFigureOut">
               <a:rPr lang="fr-FR" smtClean="0"/>
-              <a:t>20/11/2011</a:t>
+              <a:t>21/11/2011</a:t>
             </a:fld>
             <a:endParaRPr lang="fr-FR"/>
           </a:p>
@@ -3385,11 +3373,11 @@
   <p:clrMapOvr>
     <a:masterClrMapping/>
   </p:clrMapOvr>
-  <mc:AlternateContent xmlns:mc="http://schemas.openxmlformats.org/markup-compatibility/2006">
-    <mc:Choice xmlns:p14="http://schemas.microsoft.com/office/powerpoint/2010/main" Requires="p14">
+  <mc:AlternateContent xmlns:mc="http://schemas.openxmlformats.org/markup-compatibility/2006" xmlns:p14="http://schemas.microsoft.com/office/powerpoint/2010/main">
+    <mc:Choice Requires="p14">
       <p:transition spd="slow" p14:dur="2000" advClick="0"/>
     </mc:Choice>
-    <mc:Fallback>
+    <mc:Fallback xmlns="">
       <p:transition spd="slow" advClick="0"/>
     </mc:Fallback>
   </mc:AlternateContent>
@@ -3623,7 +3611,7 @@
           <a:p>
             <a:fld id="{2103C4D7-05F7-4C5C-8E71-906567BCF78D}" type="datetimeFigureOut">
               <a:rPr lang="fr-FR" smtClean="0"/>
-              <a:t>20/11/2011</a:t>
+              <a:t>21/11/2011</a:t>
             </a:fld>
             <a:endParaRPr lang="fr-FR"/>
           </a:p>
@@ -3681,11 +3669,11 @@
   <p:clrMapOvr>
     <a:masterClrMapping/>
   </p:clrMapOvr>
-  <mc:AlternateContent xmlns:mc="http://schemas.openxmlformats.org/markup-compatibility/2006">
-    <mc:Choice xmlns:p14="http://schemas.microsoft.com/office/powerpoint/2010/main" Requires="p14">
+  <mc:AlternateContent xmlns:mc="http://schemas.openxmlformats.org/markup-compatibility/2006" xmlns:p14="http://schemas.microsoft.com/office/powerpoint/2010/main">
+    <mc:Choice Requires="p14">
       <p:transition spd="slow" p14:dur="2000" advClick="0"/>
     </mc:Choice>
-    <mc:Fallback>
+    <mc:Fallback xmlns="">
       <p:transition spd="slow" advClick="0"/>
     </mc:Fallback>
   </mc:AlternateContent>
@@ -4053,7 +4041,7 @@
           <a:p>
             <a:fld id="{2103C4D7-05F7-4C5C-8E71-906567BCF78D}" type="datetimeFigureOut">
               <a:rPr lang="fr-FR" smtClean="0"/>
-              <a:t>20/11/2011</a:t>
+              <a:t>21/11/2011</a:t>
             </a:fld>
             <a:endParaRPr lang="fr-FR"/>
           </a:p>
@@ -4111,11 +4099,11 @@
   <p:clrMapOvr>
     <a:masterClrMapping/>
   </p:clrMapOvr>
-  <mc:AlternateContent xmlns:mc="http://schemas.openxmlformats.org/markup-compatibility/2006">
-    <mc:Choice xmlns:p14="http://schemas.microsoft.com/office/powerpoint/2010/main" Requires="p14">
+  <mc:AlternateContent xmlns:mc="http://schemas.openxmlformats.org/markup-compatibility/2006" xmlns:p14="http://schemas.microsoft.com/office/powerpoint/2010/main">
+    <mc:Choice Requires="p14">
       <p:transition spd="slow" p14:dur="2000" advClick="0"/>
     </mc:Choice>
-    <mc:Fallback>
+    <mc:Fallback xmlns="">
       <p:transition spd="slow" advClick="0"/>
     </mc:Fallback>
   </mc:AlternateContent>
@@ -4179,7 +4167,7 @@
           <a:p>
             <a:fld id="{2103C4D7-05F7-4C5C-8E71-906567BCF78D}" type="datetimeFigureOut">
               <a:rPr lang="fr-FR" smtClean="0"/>
-              <a:t>20/11/2011</a:t>
+              <a:t>21/11/2011</a:t>
             </a:fld>
             <a:endParaRPr lang="fr-FR"/>
           </a:p>
@@ -4237,11 +4225,11 @@
   <p:clrMapOvr>
     <a:masterClrMapping/>
   </p:clrMapOvr>
-  <mc:AlternateContent xmlns:mc="http://schemas.openxmlformats.org/markup-compatibility/2006">
-    <mc:Choice xmlns:p14="http://schemas.microsoft.com/office/powerpoint/2010/main" Requires="p14">
+  <mc:AlternateContent xmlns:mc="http://schemas.openxmlformats.org/markup-compatibility/2006" xmlns:p14="http://schemas.microsoft.com/office/powerpoint/2010/main">
+    <mc:Choice Requires="p14">
       <p:transition spd="slow" p14:dur="2000" advClick="0"/>
     </mc:Choice>
-    <mc:Fallback>
+    <mc:Fallback xmlns="">
       <p:transition spd="slow" advClick="0"/>
     </mc:Fallback>
   </mc:AlternateContent>
@@ -4282,7 +4270,7 @@
           <a:p>
             <a:fld id="{2103C4D7-05F7-4C5C-8E71-906567BCF78D}" type="datetimeFigureOut">
               <a:rPr lang="fr-FR" smtClean="0"/>
-              <a:t>20/11/2011</a:t>
+              <a:t>21/11/2011</a:t>
             </a:fld>
             <a:endParaRPr lang="fr-FR"/>
           </a:p>
@@ -4340,11 +4328,11 @@
   <p:clrMapOvr>
     <a:masterClrMapping/>
   </p:clrMapOvr>
-  <mc:AlternateContent xmlns:mc="http://schemas.openxmlformats.org/markup-compatibility/2006">
-    <mc:Choice xmlns:p14="http://schemas.microsoft.com/office/powerpoint/2010/main" Requires="p14">
+  <mc:AlternateContent xmlns:mc="http://schemas.openxmlformats.org/markup-compatibility/2006" xmlns:p14="http://schemas.microsoft.com/office/powerpoint/2010/main">
+    <mc:Choice Requires="p14">
       <p:transition spd="slow" p14:dur="2000" advClick="0"/>
     </mc:Choice>
-    <mc:Fallback>
+    <mc:Fallback xmlns="">
       <p:transition spd="slow" advClick="0"/>
     </mc:Fallback>
   </mc:AlternateContent>
@@ -4567,7 +4555,7 @@
           <a:p>
             <a:fld id="{2103C4D7-05F7-4C5C-8E71-906567BCF78D}" type="datetimeFigureOut">
               <a:rPr lang="fr-FR" smtClean="0"/>
-              <a:t>20/11/2011</a:t>
+              <a:t>21/11/2011</a:t>
             </a:fld>
             <a:endParaRPr lang="fr-FR"/>
           </a:p>
@@ -4625,11 +4613,11 @@
   <p:clrMapOvr>
     <a:masterClrMapping/>
   </p:clrMapOvr>
-  <mc:AlternateContent xmlns:mc="http://schemas.openxmlformats.org/markup-compatibility/2006">
-    <mc:Choice xmlns:p14="http://schemas.microsoft.com/office/powerpoint/2010/main" Requires="p14">
+  <mc:AlternateContent xmlns:mc="http://schemas.openxmlformats.org/markup-compatibility/2006" xmlns:p14="http://schemas.microsoft.com/office/powerpoint/2010/main">
+    <mc:Choice Requires="p14">
       <p:transition spd="slow" p14:dur="2000" advClick="0"/>
     </mc:Choice>
-    <mc:Fallback>
+    <mc:Fallback xmlns="">
       <p:transition spd="slow" advClick="0"/>
     </mc:Fallback>
   </mc:AlternateContent>
@@ -4828,7 +4816,7 @@
           <a:p>
             <a:fld id="{2103C4D7-05F7-4C5C-8E71-906567BCF78D}" type="datetimeFigureOut">
               <a:rPr lang="fr-FR" smtClean="0"/>
-              <a:t>20/11/2011</a:t>
+              <a:t>21/11/2011</a:t>
             </a:fld>
             <a:endParaRPr lang="fr-FR"/>
           </a:p>
@@ -4886,11 +4874,11 @@
   <p:clrMapOvr>
     <a:masterClrMapping/>
   </p:clrMapOvr>
-  <mc:AlternateContent xmlns:mc="http://schemas.openxmlformats.org/markup-compatibility/2006">
-    <mc:Choice xmlns:p14="http://schemas.microsoft.com/office/powerpoint/2010/main" Requires="p14">
+  <mc:AlternateContent xmlns:mc="http://schemas.openxmlformats.org/markup-compatibility/2006" xmlns:p14="http://schemas.microsoft.com/office/powerpoint/2010/main">
+    <mc:Choice Requires="p14">
       <p:transition spd="slow" p14:dur="2000" advClick="0"/>
     </mc:Choice>
-    <mc:Fallback>
+    <mc:Fallback xmlns="">
       <p:transition spd="slow" advClick="0"/>
     </mc:Fallback>
   </mc:AlternateContent>
@@ -5055,7 +5043,7 @@
           <a:p>
             <a:fld id="{2103C4D7-05F7-4C5C-8E71-906567BCF78D}" type="datetimeFigureOut">
               <a:rPr lang="fr-FR" smtClean="0"/>
-              <a:t>20/11/2011</a:t>
+              <a:t>21/11/2011</a:t>
             </a:fld>
             <a:endParaRPr lang="fr-FR"/>
           </a:p>
@@ -5160,11 +5148,11 @@
     <p:sldLayoutId id="2147483658" r:id="rId10"/>
     <p:sldLayoutId id="2147483659" r:id="rId11"/>
   </p:sldLayoutIdLst>
-  <mc:AlternateContent xmlns:mc="http://schemas.openxmlformats.org/markup-compatibility/2006">
-    <mc:Choice xmlns:p14="http://schemas.microsoft.com/office/powerpoint/2010/main" Requires="p14">
+  <mc:AlternateContent xmlns:mc="http://schemas.openxmlformats.org/markup-compatibility/2006" xmlns:p14="http://schemas.microsoft.com/office/powerpoint/2010/main">
+    <mc:Choice Requires="p14">
       <p:transition spd="slow" p14:dur="2000" advClick="0"/>
     </mc:Choice>
-    <mc:Fallback>
+    <mc:Fallback xmlns="">
       <p:transition spd="slow" advClick="0"/>
     </mc:Fallback>
   </mc:AlternateContent>
@@ -5522,7 +5510,6 @@
               <a:rPr lang="fr-FR" dirty="0"/>
               <a:t> User Interfaces</a:t>
             </a:r>
-            <a:endParaRPr lang="fr-FR" dirty="0"/>
           </a:p>
         </p:txBody>
       </p:sp>
@@ -5620,11 +5607,11 @@
   <p:clrMapOvr>
     <a:masterClrMapping/>
   </p:clrMapOvr>
-  <mc:AlternateContent xmlns:mc="http://schemas.openxmlformats.org/markup-compatibility/2006">
-    <mc:Choice xmlns:p14="http://schemas.microsoft.com/office/powerpoint/2010/main" Requires="p14">
+  <mc:AlternateContent xmlns:mc="http://schemas.openxmlformats.org/markup-compatibility/2006" xmlns:p14="http://schemas.microsoft.com/office/powerpoint/2010/main">
+    <mc:Choice Requires="p14">
       <p:transition spd="slow" p14:dur="2000"/>
     </mc:Choice>
-    <mc:Fallback>
+    <mc:Fallback xmlns="">
       <p:transition spd="slow"/>
     </mc:Fallback>
   </mc:AlternateContent>
@@ -5678,8 +5665,12 @@
           <a:lstStyle/>
           <a:p>
             <a:r>
+              <a:rPr lang="fr-FR" sz="3200" dirty="0" smtClean="0"/>
+              <a:t>Bracelet Computer</a:t>
+            </a:r>
+            <a:r>
               <a:rPr lang="fr-FR" dirty="0" smtClean="0"/>
-              <a:t>Bracelet Computer</a:t>
+              <a:t/>
             </a:r>
             <a:br>
               <a:rPr lang="fr-FR" dirty="0" smtClean="0"/>
@@ -6071,12 +6062,6 @@
               </a:rPr>
               <a:t> Far</a:t>
             </a:r>
-            <a:endParaRPr lang="fr-FR" sz="2800" dirty="0">
-              <a:solidFill>
-                <a:schemeClr val="tx1"/>
-              </a:solidFill>
-              <a:latin typeface="Arial Rounded MT Bold" pitchFamily="34" charset="0"/>
-            </a:endParaRPr>
           </a:p>
         </p:txBody>
       </p:sp>
@@ -6236,11 +6221,11 @@
   <p:clrMapOvr>
     <a:masterClrMapping/>
   </p:clrMapOvr>
-  <mc:AlternateContent xmlns:mc="http://schemas.openxmlformats.org/markup-compatibility/2006">
-    <mc:Choice xmlns:p14="http://schemas.microsoft.com/office/powerpoint/2010/main" Requires="p14">
+  <mc:AlternateContent xmlns:mc="http://schemas.openxmlformats.org/markup-compatibility/2006" xmlns:p14="http://schemas.microsoft.com/office/powerpoint/2010/main">
+    <mc:Choice Requires="p14">
       <p:transition spd="slow" p14:dur="2000" advClick="0"/>
     </mc:Choice>
-    <mc:Fallback>
+    <mc:Fallback xmlns="">
       <p:transition spd="slow" advClick="0"/>
     </mc:Fallback>
   </mc:AlternateContent>
@@ -7188,8 +7173,12 @@
           <a:lstStyle/>
           <a:p>
             <a:r>
+              <a:rPr lang="fr-FR" sz="3200" dirty="0" smtClean="0"/>
+              <a:t>Bracelet Computer</a:t>
+            </a:r>
+            <a:r>
               <a:rPr lang="fr-FR" dirty="0" smtClean="0"/>
-              <a:t>Bracelet Computer</a:t>
+              <a:t/>
             </a:r>
             <a:br>
               <a:rPr lang="fr-FR" dirty="0" smtClean="0"/>
@@ -7899,11 +7888,11 @@
   <p:clrMapOvr>
     <a:masterClrMapping/>
   </p:clrMapOvr>
-  <mc:AlternateContent xmlns:mc="http://schemas.openxmlformats.org/markup-compatibility/2006">
-    <mc:Choice xmlns:p14="http://schemas.microsoft.com/office/powerpoint/2010/main" Requires="p14">
+  <mc:AlternateContent xmlns:mc="http://schemas.openxmlformats.org/markup-compatibility/2006" xmlns:p14="http://schemas.microsoft.com/office/powerpoint/2010/main">
+    <mc:Choice Requires="p14">
       <p:transition spd="slow" p14:dur="2000" advClick="0"/>
     </mc:Choice>
-    <mc:Fallback>
+    <mc:Fallback xmlns="">
       <p:transition spd="slow" advClick="0"/>
     </mc:Fallback>
   </mc:AlternateContent>
@@ -7957,8 +7946,12 @@
           <a:lstStyle/>
           <a:p>
             <a:r>
+              <a:rPr lang="fr-FR" sz="3200" dirty="0" smtClean="0"/>
+              <a:t>Bracelet Computer</a:t>
+            </a:r>
+            <a:r>
               <a:rPr lang="fr-FR" dirty="0" smtClean="0"/>
-              <a:t>Bracelet Computer</a:t>
+              <a:t/>
             </a:r>
             <a:br>
               <a:rPr lang="fr-FR" dirty="0" smtClean="0"/>
@@ -8668,11 +8661,11 @@
   <p:clrMapOvr>
     <a:masterClrMapping/>
   </p:clrMapOvr>
-  <mc:AlternateContent xmlns:mc="http://schemas.openxmlformats.org/markup-compatibility/2006">
-    <mc:Choice xmlns:p14="http://schemas.microsoft.com/office/powerpoint/2010/main" Requires="p14">
+  <mc:AlternateContent xmlns:mc="http://schemas.openxmlformats.org/markup-compatibility/2006" xmlns:p14="http://schemas.microsoft.com/office/powerpoint/2010/main">
+    <mc:Choice Requires="p14">
       <p:transition spd="slow" p14:dur="2000" advClick="0"/>
     </mc:Choice>
-    <mc:Fallback>
+    <mc:Fallback xmlns="">
       <p:transition spd="slow" advClick="0"/>
     </mc:Fallback>
   </mc:AlternateContent>
@@ -8726,8 +8719,12 @@
           <a:lstStyle/>
           <a:p>
             <a:r>
+              <a:rPr lang="fr-FR" sz="3200" dirty="0" smtClean="0"/>
+              <a:t>Bracelet Computer</a:t>
+            </a:r>
+            <a:r>
               <a:rPr lang="fr-FR" dirty="0" smtClean="0"/>
-              <a:t>Bracelet Computer</a:t>
+              <a:t/>
             </a:r>
             <a:br>
               <a:rPr lang="fr-FR" dirty="0" smtClean="0"/>
@@ -9450,11 +9447,11 @@
   <p:clrMapOvr>
     <a:masterClrMapping/>
   </p:clrMapOvr>
-  <mc:AlternateContent xmlns:mc="http://schemas.openxmlformats.org/markup-compatibility/2006">
-    <mc:Choice xmlns:p14="http://schemas.microsoft.com/office/powerpoint/2010/main" Requires="p14">
+  <mc:AlternateContent xmlns:mc="http://schemas.openxmlformats.org/markup-compatibility/2006" xmlns:p14="http://schemas.microsoft.com/office/powerpoint/2010/main">
+    <mc:Choice Requires="p14">
       <p:transition spd="slow" p14:dur="2000" advClick="0"/>
     </mc:Choice>
-    <mc:Fallback>
+    <mc:Fallback xmlns="">
       <p:transition spd="slow" advClick="0"/>
     </mc:Fallback>
   </mc:AlternateContent>
@@ -9524,8 +9521,12 @@
           </a:lstStyle>
           <a:p>
             <a:r>
+              <a:rPr lang="fr-FR" sz="3200" dirty="0" smtClean="0"/>
+              <a:t>Bracelet Computer</a:t>
+            </a:r>
+            <a:r>
               <a:rPr lang="fr-FR" dirty="0" smtClean="0"/>
-              <a:t>Bracelet Computer</a:t>
+              <a:t/>
             </a:r>
             <a:br>
               <a:rPr lang="fr-FR" dirty="0" smtClean="0"/>
@@ -10235,11 +10236,11 @@
   <p:clrMapOvr>
     <a:masterClrMapping/>
   </p:clrMapOvr>
-  <mc:AlternateContent xmlns:mc="http://schemas.openxmlformats.org/markup-compatibility/2006">
-    <mc:Choice xmlns:p14="http://schemas.microsoft.com/office/powerpoint/2010/main" Requires="p14">
+  <mc:AlternateContent xmlns:mc="http://schemas.openxmlformats.org/markup-compatibility/2006" xmlns:p14="http://schemas.microsoft.com/office/powerpoint/2010/main">
+    <mc:Choice Requires="p14">
       <p:transition spd="slow" p14:dur="2000" advClick="0"/>
     </mc:Choice>
-    <mc:Fallback>
+    <mc:Fallback xmlns="">
       <p:transition spd="slow" advClick="0"/>
     </mc:Fallback>
   </mc:AlternateContent>
@@ -10309,8 +10310,12 @@
           </a:lstStyle>
           <a:p>
             <a:r>
+              <a:rPr lang="fr-FR" sz="3200" dirty="0" smtClean="0"/>
+              <a:t>Bracelet Computer</a:t>
+            </a:r>
+            <a:r>
               <a:rPr lang="fr-FR" dirty="0" smtClean="0"/>
-              <a:t>Bracelet Computer</a:t>
+              <a:t/>
             </a:r>
             <a:br>
               <a:rPr lang="fr-FR" dirty="0" smtClean="0"/>
@@ -11028,11 +11033,11 @@
   <p:clrMapOvr>
     <a:masterClrMapping/>
   </p:clrMapOvr>
-  <mc:AlternateContent xmlns:mc="http://schemas.openxmlformats.org/markup-compatibility/2006">
-    <mc:Choice xmlns:p14="http://schemas.microsoft.com/office/powerpoint/2010/main" Requires="p14">
+  <mc:AlternateContent xmlns:mc="http://schemas.openxmlformats.org/markup-compatibility/2006" xmlns:p14="http://schemas.microsoft.com/office/powerpoint/2010/main">
+    <mc:Choice Requires="p14">
       <p:transition spd="slow" p14:dur="2000" advClick="0"/>
     </mc:Choice>
-    <mc:Fallback>
+    <mc:Fallback xmlns="">
       <p:transition spd="slow" advClick="0"/>
     </mc:Fallback>
   </mc:AlternateContent>
@@ -11086,8 +11091,12 @@
           <a:lstStyle/>
           <a:p>
             <a:r>
+              <a:rPr lang="fr-FR" sz="3200" dirty="0" smtClean="0"/>
+              <a:t>Bracelet Computer</a:t>
+            </a:r>
+            <a:r>
               <a:rPr lang="fr-FR" dirty="0" smtClean="0"/>
-              <a:t>Bracelet Computer</a:t>
+              <a:t/>
             </a:r>
             <a:br>
               <a:rPr lang="fr-FR" dirty="0" smtClean="0"/>
@@ -11785,11 +11794,11 @@
   <p:clrMapOvr>
     <a:masterClrMapping/>
   </p:clrMapOvr>
-  <mc:AlternateContent xmlns:mc="http://schemas.openxmlformats.org/markup-compatibility/2006">
-    <mc:Choice xmlns:p14="http://schemas.microsoft.com/office/powerpoint/2010/main" Requires="p14">
+  <mc:AlternateContent xmlns:mc="http://schemas.openxmlformats.org/markup-compatibility/2006" xmlns:p14="http://schemas.microsoft.com/office/powerpoint/2010/main">
+    <mc:Choice Requires="p14">
       <p:transition spd="slow" p14:dur="2000" advClick="0"/>
     </mc:Choice>
-    <mc:Fallback>
+    <mc:Fallback xmlns="">
       <p:transition spd="slow" advClick="0"/>
     </mc:Fallback>
   </mc:AlternateContent>
@@ -11883,8 +11892,12 @@
           </a:lstStyle>
           <a:p>
             <a:r>
+              <a:rPr lang="fr-FR" sz="3200" dirty="0" smtClean="0"/>
+              <a:t>Bracelet Computer</a:t>
+            </a:r>
+            <a:r>
               <a:rPr lang="fr-FR" dirty="0" smtClean="0"/>
-              <a:t>Bracelet Computer</a:t>
+              <a:t/>
             </a:r>
             <a:br>
               <a:rPr lang="fr-FR" dirty="0" smtClean="0"/>
@@ -12588,11 +12601,11 @@
   <p:clrMapOvr>
     <a:masterClrMapping/>
   </p:clrMapOvr>
-  <mc:AlternateContent xmlns:mc="http://schemas.openxmlformats.org/markup-compatibility/2006">
-    <mc:Choice xmlns:p14="http://schemas.microsoft.com/office/powerpoint/2010/main" Requires="p14">
+  <mc:AlternateContent xmlns:mc="http://schemas.openxmlformats.org/markup-compatibility/2006" xmlns:p14="http://schemas.microsoft.com/office/powerpoint/2010/main">
+    <mc:Choice Requires="p14">
       <p:transition spd="slow" p14:dur="2000" advClick="0"/>
     </mc:Choice>
-    <mc:Fallback>
+    <mc:Fallback xmlns="">
       <p:transition spd="slow" advClick="0"/>
     </mc:Fallback>
   </mc:AlternateContent>
@@ -12686,8 +12699,12 @@
           </a:lstStyle>
           <a:p>
             <a:r>
+              <a:rPr lang="fr-FR" sz="3200" dirty="0" smtClean="0"/>
+              <a:t>Bracelet Computer</a:t>
+            </a:r>
+            <a:r>
               <a:rPr lang="fr-FR" dirty="0" smtClean="0"/>
-              <a:t>Bracelet Computer</a:t>
+              <a:t/>
             </a:r>
             <a:br>
               <a:rPr lang="fr-FR" dirty="0" smtClean="0"/>
@@ -13370,11 +13387,11 @@
   <p:clrMapOvr>
     <a:masterClrMapping/>
   </p:clrMapOvr>
-  <mc:AlternateContent xmlns:mc="http://schemas.openxmlformats.org/markup-compatibility/2006">
-    <mc:Choice xmlns:p14="http://schemas.microsoft.com/office/powerpoint/2010/main" Requires="p14">
+  <mc:AlternateContent xmlns:mc="http://schemas.openxmlformats.org/markup-compatibility/2006" xmlns:p14="http://schemas.microsoft.com/office/powerpoint/2010/main">
+    <mc:Choice Requires="p14">
       <p:transition spd="slow" p14:dur="2000" advClick="0"/>
     </mc:Choice>
-    <mc:Fallback>
+    <mc:Fallback xmlns="">
       <p:transition spd="slow" advClick="0"/>
     </mc:Fallback>
   </mc:AlternateContent>
@@ -13444,8 +13461,12 @@
           </a:lstStyle>
           <a:p>
             <a:r>
+              <a:rPr lang="fr-FR" sz="3200" dirty="0" smtClean="0"/>
+              <a:t>Bracelet Computer</a:t>
+            </a:r>
+            <a:r>
               <a:rPr lang="fr-FR" dirty="0" smtClean="0"/>
-              <a:t>Bracelet Computer</a:t>
+              <a:t/>
             </a:r>
             <a:br>
               <a:rPr lang="fr-FR" dirty="0" smtClean="0"/>
@@ -13458,10 +13479,10 @@
               <a:rPr lang="fr-FR" dirty="0" smtClean="0"/>
             </a:br>
             <a:r>
-              <a:rPr lang="fr-FR" dirty="0" smtClean="0"/>
+              <a:rPr lang="fr-FR" b="1" dirty="0" smtClean="0"/>
               <a:t>Distance Management</a:t>
             </a:r>
-            <a:endParaRPr lang="fr-FR" dirty="0"/>
+            <a:endParaRPr lang="fr-FR" b="1" dirty="0"/>
           </a:p>
         </p:txBody>
       </p:sp>
@@ -13818,7 +13839,7 @@
           <a:p>
             <a:pPr algn="ctr"/>
             <a:r>
-              <a:rPr lang="fr-FR" sz="2400" dirty="0" smtClean="0">
+              <a:rPr lang="fr-FR" sz="2400" b="1" dirty="0" smtClean="0">
                 <a:solidFill>
                   <a:schemeClr val="tx1"/>
                 </a:solidFill>
@@ -13829,14 +13850,14 @@
           <a:p>
             <a:pPr algn="ctr"/>
             <a:r>
-              <a:rPr lang="fr-FR" sz="2400" dirty="0" smtClean="0">
+              <a:rPr lang="fr-FR" sz="2400" b="1" dirty="0" smtClean="0">
                 <a:solidFill>
                   <a:schemeClr val="tx1"/>
                 </a:solidFill>
               </a:rPr>
               <a:t>Distance</a:t>
             </a:r>
-            <a:endParaRPr lang="fr-FR" sz="2400" dirty="0">
+            <a:endParaRPr lang="fr-FR" sz="2400" b="1" dirty="0">
               <a:solidFill>
                 <a:schemeClr val="tx1"/>
               </a:solidFill>
@@ -14031,11 +14052,11 @@
   <p:clrMapOvr>
     <a:masterClrMapping/>
   </p:clrMapOvr>
-  <mc:AlternateContent xmlns:mc="http://schemas.openxmlformats.org/markup-compatibility/2006">
-    <mc:Choice xmlns:p14="http://schemas.microsoft.com/office/powerpoint/2010/main" Requires="p14">
+  <mc:AlternateContent xmlns:mc="http://schemas.openxmlformats.org/markup-compatibility/2006" xmlns:p14="http://schemas.microsoft.com/office/powerpoint/2010/main">
+    <mc:Choice Requires="p14">
       <p:transition spd="slow" p14:dur="2000" advClick="0"/>
     </mc:Choice>
-    <mc:Fallback>
+    <mc:Fallback xmlns="">
       <p:transition spd="slow" advClick="0"/>
     </mc:Fallback>
   </mc:AlternateContent>
@@ -14089,8 +14110,12 @@
           <a:lstStyle/>
           <a:p>
             <a:r>
+              <a:rPr lang="fr-FR" sz="3200" dirty="0" smtClean="0"/>
+              <a:t>Bracelet Computer</a:t>
+            </a:r>
+            <a:r>
               <a:rPr lang="fr-FR" dirty="0" smtClean="0"/>
-              <a:t>Bracelet Computer</a:t>
+              <a:t/>
             </a:r>
             <a:br>
               <a:rPr lang="fr-FR" dirty="0" smtClean="0"/>
@@ -14112,15 +14137,12 @@
             </a:r>
             <a:r>
               <a:rPr lang="fr-FR" b="1" dirty="0" smtClean="0"/>
-              <a:t> location</a:t>
-            </a:r>
-            <a:r>
-              <a:rPr lang="fr-FR" dirty="0" smtClean="0"/>
-              <a:t/>
-            </a:r>
-            <a:br>
-              <a:rPr lang="fr-FR" dirty="0" smtClean="0"/>
-            </a:br>
+              <a:t> </a:t>
+            </a:r>
+            <a:r>
+              <a:rPr lang="fr-FR" b="1" dirty="0" smtClean="0"/>
+              <a:t>location</a:t>
+            </a:r>
             <a:endParaRPr lang="fr-FR" dirty="0"/>
           </a:p>
         </p:txBody>
@@ -14770,11 +14792,11 @@
   <p:clrMapOvr>
     <a:masterClrMapping/>
   </p:clrMapOvr>
-  <mc:AlternateContent xmlns:mc="http://schemas.openxmlformats.org/markup-compatibility/2006">
-    <mc:Choice xmlns:p14="http://schemas.microsoft.com/office/powerpoint/2010/main" Requires="p14">
+  <mc:AlternateContent xmlns:mc="http://schemas.openxmlformats.org/markup-compatibility/2006" xmlns:p14="http://schemas.microsoft.com/office/powerpoint/2010/main">
+    <mc:Choice Requires="p14">
       <p:transition spd="slow" p14:dur="2000" advClick="0"/>
     </mc:Choice>
-    <mc:Fallback>
+    <mc:Fallback xmlns="">
       <p:transition spd="slow" advClick="0"/>
     </mc:Fallback>
   </mc:AlternateContent>
@@ -14844,8 +14866,12 @@
           </a:lstStyle>
           <a:p>
             <a:r>
+              <a:rPr lang="fr-FR" sz="3200" dirty="0" smtClean="0"/>
+              <a:t>Bracelet Computer</a:t>
+            </a:r>
+            <a:r>
               <a:rPr lang="fr-FR" dirty="0" smtClean="0"/>
-              <a:t>Bracelet Computer</a:t>
+              <a:t/>
             </a:r>
             <a:br>
               <a:rPr lang="fr-FR" dirty="0" smtClean="0"/>
@@ -15431,11 +15457,11 @@
   <p:clrMapOvr>
     <a:masterClrMapping/>
   </p:clrMapOvr>
-  <mc:AlternateContent xmlns:mc="http://schemas.openxmlformats.org/markup-compatibility/2006">
-    <mc:Choice xmlns:p14="http://schemas.microsoft.com/office/powerpoint/2010/main" Requires="p14">
+  <mc:AlternateContent xmlns:mc="http://schemas.openxmlformats.org/markup-compatibility/2006" xmlns:p14="http://schemas.microsoft.com/office/powerpoint/2010/main">
+    <mc:Choice Requires="p14">
       <p:transition spd="slow" p14:dur="2000" advClick="0"/>
     </mc:Choice>
-    <mc:Fallback>
+    <mc:Fallback xmlns="">
       <p:transition spd="slow" advClick="0"/>
     </mc:Fallback>
   </mc:AlternateContent>
@@ -15529,8 +15555,12 @@
           </a:lstStyle>
           <a:p>
             <a:r>
+              <a:rPr lang="fr-FR" sz="3200" dirty="0" smtClean="0"/>
+              <a:t>Bracelet Computer</a:t>
+            </a:r>
+            <a:r>
               <a:rPr lang="fr-FR" dirty="0" smtClean="0"/>
-              <a:t>Bracelet Computer</a:t>
+              <a:t/>
             </a:r>
             <a:br>
               <a:rPr lang="fr-FR" dirty="0" smtClean="0"/>
@@ -16216,11 +16246,11 @@
   <p:clrMapOvr>
     <a:masterClrMapping/>
   </p:clrMapOvr>
-  <mc:AlternateContent xmlns:mc="http://schemas.openxmlformats.org/markup-compatibility/2006">
-    <mc:Choice xmlns:p14="http://schemas.microsoft.com/office/powerpoint/2010/main" Requires="p14">
+  <mc:AlternateContent xmlns:mc="http://schemas.openxmlformats.org/markup-compatibility/2006" xmlns:p14="http://schemas.microsoft.com/office/powerpoint/2010/main">
+    <mc:Choice Requires="p14">
       <p:transition spd="slow" p14:dur="2000" advClick="0"/>
     </mc:Choice>
-    <mc:Fallback>
+    <mc:Fallback xmlns="">
       <p:transition spd="slow" advClick="0"/>
     </mc:Fallback>
   </mc:AlternateContent>
@@ -16274,8 +16304,12 @@
           <a:lstStyle/>
           <a:p>
             <a:r>
+              <a:rPr lang="fr-FR" sz="3200" dirty="0" smtClean="0"/>
+              <a:t>Bracelet Computer</a:t>
+            </a:r>
+            <a:r>
               <a:rPr lang="fr-FR" dirty="0" smtClean="0"/>
-              <a:t>Bracelet Computer</a:t>
+              <a:t/>
             </a:r>
             <a:br>
               <a:rPr lang="fr-FR" dirty="0" smtClean="0"/>
@@ -16637,12 +16671,6 @@
               </a:rPr>
               <a:t>Location</a:t>
             </a:r>
-            <a:endParaRPr lang="fr-FR" sz="2800" dirty="0">
-              <a:solidFill>
-                <a:schemeClr val="tx1"/>
-              </a:solidFill>
-              <a:latin typeface="Arial Rounded MT Bold" pitchFamily="34" charset="0"/>
-            </a:endParaRPr>
           </a:p>
         </p:txBody>
       </p:sp>
@@ -16900,11 +16928,11 @@
   <p:clrMapOvr>
     <a:masterClrMapping/>
   </p:clrMapOvr>
-  <mc:AlternateContent xmlns:mc="http://schemas.openxmlformats.org/markup-compatibility/2006">
-    <mc:Choice xmlns:p14="http://schemas.microsoft.com/office/powerpoint/2010/main" Requires="p14">
+  <mc:AlternateContent xmlns:mc="http://schemas.openxmlformats.org/markup-compatibility/2006" xmlns:p14="http://schemas.microsoft.com/office/powerpoint/2010/main">
+    <mc:Choice Requires="p14">
       <p:transition spd="slow" p14:dur="2000" advClick="0"/>
     </mc:Choice>
-    <mc:Fallback>
+    <mc:Fallback xmlns="">
       <p:transition spd="slow" advClick="0"/>
     </mc:Fallback>
   </mc:AlternateContent>
@@ -16958,8 +16986,12 @@
           <a:lstStyle/>
           <a:p>
             <a:r>
+              <a:rPr lang="fr-FR" sz="3200" dirty="0" smtClean="0"/>
+              <a:t>Bracelet Computer</a:t>
+            </a:r>
+            <a:r>
               <a:rPr lang="fr-FR" dirty="0" smtClean="0"/>
-              <a:t>Bracelet Computer</a:t>
+              <a:t/>
             </a:r>
             <a:br>
               <a:rPr lang="fr-FR" dirty="0" smtClean="0"/>
@@ -17678,11 +17710,11 @@
   <p:clrMapOvr>
     <a:masterClrMapping/>
   </p:clrMapOvr>
-  <mc:AlternateContent xmlns:mc="http://schemas.openxmlformats.org/markup-compatibility/2006">
-    <mc:Choice xmlns:p14="http://schemas.microsoft.com/office/powerpoint/2010/main" Requires="p14">
+  <mc:AlternateContent xmlns:mc="http://schemas.openxmlformats.org/markup-compatibility/2006" xmlns:p14="http://schemas.microsoft.com/office/powerpoint/2010/main">
+    <mc:Choice Requires="p14">
       <p:transition spd="slow" p14:dur="2000" advClick="0"/>
     </mc:Choice>
-    <mc:Fallback>
+    <mc:Fallback xmlns="">
       <p:transition spd="slow" advClick="0"/>
     </mc:Fallback>
   </mc:AlternateContent>
@@ -17736,8 +17768,12 @@
           <a:lstStyle/>
           <a:p>
             <a:r>
+              <a:rPr lang="fr-FR" sz="3200" dirty="0" smtClean="0"/>
+              <a:t>Bracelet Computer</a:t>
+            </a:r>
+            <a:r>
               <a:rPr lang="fr-FR" dirty="0" smtClean="0"/>
-              <a:t>Bracelet Computer</a:t>
+              <a:t/>
             </a:r>
             <a:br>
               <a:rPr lang="fr-FR" dirty="0" smtClean="0"/>
@@ -18184,6 +18220,14 @@
           <a:lstStyle/>
           <a:p>
             <a:pPr algn="ctr"/>
+            <a:endParaRPr lang="fr-FR" sz="4400" b="1" dirty="0" smtClean="0">
+              <a:solidFill>
+                <a:schemeClr val="tx1"/>
+              </a:solidFill>
+            </a:endParaRPr>
+          </a:p>
+          <a:p>
+            <a:pPr algn="ctr"/>
             <a:r>
               <a:rPr lang="fr-FR" sz="4400" b="1" dirty="0" smtClean="0">
                 <a:solidFill>
@@ -18443,6 +18487,53 @@
           </a:p>
         </p:txBody>
       </p:sp>
+      <p:sp>
+        <p:nvSpPr>
+          <p:cNvPr id="3" name="Flèche vers le haut 2"/>
+          <p:cNvSpPr/>
+          <p:nvPr/>
+        </p:nvSpPr>
+        <p:spPr>
+          <a:xfrm>
+            <a:off x="5944056" y="4581128"/>
+            <a:ext cx="932855" cy="760853"/>
+          </a:xfrm>
+          <a:prstGeom prst="upArrow">
+            <a:avLst/>
+          </a:prstGeom>
+          <a:solidFill>
+            <a:schemeClr val="tx1"/>
+          </a:solidFill>
+        </p:spPr>
+        <p:style>
+          <a:lnRef idx="2">
+            <a:schemeClr val="accent1">
+              <a:shade val="50000"/>
+            </a:schemeClr>
+          </a:lnRef>
+          <a:fillRef idx="1">
+            <a:schemeClr val="accent1"/>
+          </a:fillRef>
+          <a:effectRef idx="0">
+            <a:schemeClr val="accent1"/>
+          </a:effectRef>
+          <a:fontRef idx="minor">
+            <a:schemeClr val="lt1"/>
+          </a:fontRef>
+        </p:style>
+        <p:txBody>
+          <a:bodyPr rtlCol="0" anchor="ctr"/>
+          <a:lstStyle/>
+          <a:p>
+            <a:pPr algn="ctr"/>
+            <a:endParaRPr lang="fr-FR">
+              <a:solidFill>
+                <a:schemeClr val="tx1"/>
+              </a:solidFill>
+            </a:endParaRPr>
+          </a:p>
+        </p:txBody>
+      </p:sp>
     </p:spTree>
     <p:extLst>
       <p:ext uri="{BB962C8B-B14F-4D97-AF65-F5344CB8AC3E}">
@@ -18453,11 +18544,11 @@
   <p:clrMapOvr>
     <a:masterClrMapping/>
   </p:clrMapOvr>
-  <mc:AlternateContent xmlns:mc="http://schemas.openxmlformats.org/markup-compatibility/2006">
-    <mc:Choice xmlns:p14="http://schemas.microsoft.com/office/powerpoint/2010/main" Requires="p14">
+  <mc:AlternateContent xmlns:mc="http://schemas.openxmlformats.org/markup-compatibility/2006" xmlns:p14="http://schemas.microsoft.com/office/powerpoint/2010/main">
+    <mc:Choice Requires="p14">
       <p:transition spd="slow" p14:dur="2000" advClick="0"/>
     </mc:Choice>
-    <mc:Fallback>
+    <mc:Fallback xmlns="">
       <p:transition spd="slow" advClick="0"/>
     </mc:Fallback>
   </mc:AlternateContent>
@@ -18511,8 +18602,12 @@
           <a:lstStyle/>
           <a:p>
             <a:r>
+              <a:rPr lang="fr-FR" sz="3200" dirty="0" smtClean="0"/>
+              <a:t>Bracelet Computer</a:t>
+            </a:r>
+            <a:r>
               <a:rPr lang="fr-FR" dirty="0" smtClean="0"/>
-              <a:t>Bracelet Computer</a:t>
+              <a:t/>
             </a:r>
             <a:br>
               <a:rPr lang="fr-FR" dirty="0" smtClean="0"/>
@@ -18906,12 +19001,6 @@
               </a:rPr>
               <a:t>Location</a:t>
             </a:r>
-            <a:endParaRPr lang="fr-FR" sz="2800" dirty="0">
-              <a:solidFill>
-                <a:schemeClr val="tx1"/>
-              </a:solidFill>
-              <a:latin typeface="Arial Rounded MT Bold" pitchFamily="34" charset="0"/>
-            </a:endParaRPr>
           </a:p>
         </p:txBody>
       </p:sp>
@@ -18968,15 +19057,7 @@
                   <a:schemeClr val="tx1"/>
                 </a:solidFill>
               </a:rPr>
-              <a:t> </a:t>
-            </a:r>
-            <a:r>
-              <a:rPr lang="fr-FR" sz="3200" dirty="0" smtClean="0">
-                <a:solidFill>
-                  <a:schemeClr val="tx1"/>
-                </a:solidFill>
-              </a:rPr>
-              <a:t>house</a:t>
+              <a:t> house</a:t>
             </a:r>
             <a:endParaRPr lang="fr-FR" sz="3200" dirty="0"/>
           </a:p>
@@ -19239,11 +19320,11 @@
   <p:clrMapOvr>
     <a:masterClrMapping/>
   </p:clrMapOvr>
-  <mc:AlternateContent xmlns:mc="http://schemas.openxmlformats.org/markup-compatibility/2006">
-    <mc:Choice xmlns:p14="http://schemas.microsoft.com/office/powerpoint/2010/main" Requires="p14">
+  <mc:AlternateContent xmlns:mc="http://schemas.openxmlformats.org/markup-compatibility/2006" xmlns:p14="http://schemas.microsoft.com/office/powerpoint/2010/main">
+    <mc:Choice Requires="p14">
       <p:transition spd="slow" p14:dur="2000" advClick="0"/>
     </mc:Choice>
-    <mc:Fallback>
+    <mc:Fallback xmlns="">
       <p:transition spd="slow" advClick="0"/>
     </mc:Fallback>
   </mc:AlternateContent>
@@ -19339,8 +19420,12 @@
           </a:lstStyle>
           <a:p>
             <a:r>
+              <a:rPr lang="fr-FR" sz="3200" dirty="0" smtClean="0"/>
+              <a:t>Bracelet Computer</a:t>
+            </a:r>
+            <a:r>
               <a:rPr lang="fr-FR" dirty="0" smtClean="0"/>
-              <a:t>Bracelet Computer</a:t>
+              <a:t/>
             </a:r>
             <a:br>
               <a:rPr lang="fr-FR" dirty="0" smtClean="0"/>
@@ -19684,12 +19769,6 @@
               </a:rPr>
               <a:t>Location</a:t>
             </a:r>
-            <a:endParaRPr lang="fr-FR" sz="2800" dirty="0">
-              <a:solidFill>
-                <a:schemeClr val="tx1"/>
-              </a:solidFill>
-              <a:latin typeface="Arial Rounded MT Bold" pitchFamily="34" charset="0"/>
-            </a:endParaRPr>
           </a:p>
         </p:txBody>
       </p:sp>
@@ -20025,11 +20104,11 @@
   <p:clrMapOvr>
     <a:masterClrMapping/>
   </p:clrMapOvr>
-  <mc:AlternateContent xmlns:mc="http://schemas.openxmlformats.org/markup-compatibility/2006">
-    <mc:Choice xmlns:p14="http://schemas.microsoft.com/office/powerpoint/2010/main" Requires="p14">
+  <mc:AlternateContent xmlns:mc="http://schemas.openxmlformats.org/markup-compatibility/2006" xmlns:p14="http://schemas.microsoft.com/office/powerpoint/2010/main">
+    <mc:Choice Requires="p14">
       <p:transition spd="slow" p14:dur="2000" advClick="0"/>
     </mc:Choice>
-    <mc:Fallback>
+    <mc:Fallback xmlns="">
       <p:transition spd="slow" advClick="0"/>
     </mc:Fallback>
   </mc:AlternateContent>
@@ -20125,8 +20204,12 @@
           </a:lstStyle>
           <a:p>
             <a:r>
+              <a:rPr lang="fr-FR" sz="3200" dirty="0" smtClean="0"/>
+              <a:t>Bracelet Computer</a:t>
+            </a:r>
+            <a:r>
               <a:rPr lang="fr-FR" dirty="0" smtClean="0"/>
-              <a:t>Bracelet Computer</a:t>
+              <a:t/>
             </a:r>
             <a:br>
               <a:rPr lang="fr-FR" dirty="0" smtClean="0"/>
@@ -20470,12 +20553,6 @@
               </a:rPr>
               <a:t>Location</a:t>
             </a:r>
-            <a:endParaRPr lang="fr-FR" sz="2800" dirty="0">
-              <a:solidFill>
-                <a:schemeClr val="tx1"/>
-              </a:solidFill>
-              <a:latin typeface="Arial Rounded MT Bold" pitchFamily="34" charset="0"/>
-            </a:endParaRPr>
           </a:p>
         </p:txBody>
       </p:sp>
@@ -20819,11 +20896,11 @@
   <p:clrMapOvr>
     <a:masterClrMapping/>
   </p:clrMapOvr>
-  <mc:AlternateContent xmlns:mc="http://schemas.openxmlformats.org/markup-compatibility/2006">
-    <mc:Choice xmlns:p14="http://schemas.microsoft.com/office/powerpoint/2010/main" Requires="p14">
+  <mc:AlternateContent xmlns:mc="http://schemas.openxmlformats.org/markup-compatibility/2006" xmlns:p14="http://schemas.microsoft.com/office/powerpoint/2010/main">
+    <mc:Choice Requires="p14">
       <p:transition spd="slow" p14:dur="2000" advClick="0"/>
     </mc:Choice>
-    <mc:Fallback>
+    <mc:Fallback xmlns="">
       <p:transition spd="slow" advClick="0"/>
     </mc:Fallback>
   </mc:AlternateContent>
@@ -20877,8 +20954,12 @@
           <a:lstStyle/>
           <a:p>
             <a:r>
+              <a:rPr lang="fr-FR" sz="3200" dirty="0" smtClean="0"/>
+              <a:t>Bracelet Computer</a:t>
+            </a:r>
+            <a:r>
               <a:rPr lang="fr-FR" dirty="0" smtClean="0"/>
-              <a:t>Bracelet Computer</a:t>
+              <a:t/>
             </a:r>
             <a:br>
               <a:rPr lang="fr-FR" dirty="0" smtClean="0"/>
@@ -20896,11 +20977,7 @@
             </a:r>
             <a:r>
               <a:rPr lang="fr-FR" b="1" dirty="0" smtClean="0"/>
-              <a:t> to </a:t>
-            </a:r>
-            <a:r>
-              <a:rPr lang="fr-FR" b="1" dirty="0" smtClean="0"/>
-              <a:t>location</a:t>
+              <a:t> to location</a:t>
             </a:r>
             <a:endParaRPr lang="fr-FR" b="1" dirty="0"/>
           </a:p>
@@ -21274,16 +21351,7 @@
                 </a:solidFill>
                 <a:latin typeface="Arial Rounded MT Bold" pitchFamily="34" charset="0"/>
               </a:rPr>
-              <a:t> </a:t>
-            </a:r>
-            <a:r>
-              <a:rPr lang="fr-FR" sz="2800" dirty="0">
-                <a:solidFill>
-                  <a:schemeClr val="tx1"/>
-                </a:solidFill>
-                <a:latin typeface="Arial Rounded MT Bold" pitchFamily="34" charset="0"/>
-              </a:rPr>
-              <a:t>house</a:t>
+              <a:t> house</a:t>
             </a:r>
           </a:p>
         </p:txBody>
@@ -21328,14 +21396,30 @@
           <a:p>
             <a:pPr algn="ctr"/>
             <a:r>
-              <a:rPr lang="fr-FR" sz="3200" dirty="0" err="1" smtClean="0">
+              <a:rPr lang="fr-FR" sz="3200" dirty="0">
+                <a:solidFill>
+                  <a:schemeClr val="tx1"/>
+                </a:solidFill>
+              </a:rPr>
+              <a:t> </a:t>
+            </a:r>
+            <a:r>
+              <a:rPr lang="fr-FR" sz="3200" dirty="0" smtClean="0">
+                <a:solidFill>
+                  <a:schemeClr val="tx1"/>
+                </a:solidFill>
+              </a:rPr>
+              <a:t>    </a:t>
+            </a:r>
+            <a:r>
+              <a:rPr lang="fr-FR" sz="3600" b="1" dirty="0" err="1" smtClean="0">
                 <a:solidFill>
                   <a:schemeClr val="tx1"/>
                 </a:solidFill>
               </a:rPr>
               <a:t>Left</a:t>
             </a:r>
-            <a:endParaRPr lang="fr-FR" sz="3200" dirty="0">
+            <a:endParaRPr lang="fr-FR" sz="3600" b="1" dirty="0" smtClean="0">
               <a:solidFill>
                 <a:schemeClr val="tx1"/>
               </a:solidFill>
@@ -21343,15 +21427,23 @@
           </a:p>
           <a:p>
             <a:pPr algn="ctr"/>
-            <a:r>
-              <a:rPr lang="fr-FR" sz="3200" dirty="0" smtClean="0">
+            <a:endParaRPr lang="fr-FR" sz="800" b="1" dirty="0">
+              <a:solidFill>
+                <a:schemeClr val="tx1"/>
+              </a:solidFill>
+            </a:endParaRPr>
+          </a:p>
+          <a:p>
+            <a:pPr algn="ctr"/>
+            <a:r>
+              <a:rPr lang="fr-FR" sz="3600" dirty="0" smtClean="0">
                 <a:solidFill>
                   <a:schemeClr val="tx1"/>
                 </a:solidFill>
               </a:rPr>
               <a:t>10m</a:t>
             </a:r>
-            <a:endParaRPr lang="fr-FR" sz="3200" dirty="0">
+            <a:endParaRPr lang="fr-FR" sz="3600" dirty="0">
               <a:solidFill>
                 <a:schemeClr val="tx1"/>
               </a:solidFill>
@@ -21606,6 +21698,49 @@
           </a:p>
         </p:txBody>
       </p:sp>
+      <p:sp>
+        <p:nvSpPr>
+          <p:cNvPr id="3" name="Flèche gauche 2"/>
+          <p:cNvSpPr/>
+          <p:nvPr/>
+        </p:nvSpPr>
+        <p:spPr>
+          <a:xfrm>
+            <a:off x="5612417" y="4645620"/>
+            <a:ext cx="504819" cy="864096"/>
+          </a:xfrm>
+          <a:prstGeom prst="leftArrow">
+            <a:avLst/>
+          </a:prstGeom>
+          <a:solidFill>
+            <a:schemeClr val="tx1"/>
+          </a:solidFill>
+        </p:spPr>
+        <p:style>
+          <a:lnRef idx="2">
+            <a:schemeClr val="accent1">
+              <a:shade val="50000"/>
+            </a:schemeClr>
+          </a:lnRef>
+          <a:fillRef idx="1">
+            <a:schemeClr val="accent1"/>
+          </a:fillRef>
+          <a:effectRef idx="0">
+            <a:schemeClr val="accent1"/>
+          </a:effectRef>
+          <a:fontRef idx="minor">
+            <a:schemeClr val="lt1"/>
+          </a:fontRef>
+        </p:style>
+        <p:txBody>
+          <a:bodyPr rtlCol="0" anchor="ctr"/>
+          <a:lstStyle/>
+          <a:p>
+            <a:pPr algn="ctr"/>
+            <a:endParaRPr lang="fr-FR"/>
+          </a:p>
+        </p:txBody>
+      </p:sp>
     </p:spTree>
     <p:extLst>
       <p:ext uri="{BB962C8B-B14F-4D97-AF65-F5344CB8AC3E}">
@@ -21616,11 +21751,11 @@
   <p:clrMapOvr>
     <a:masterClrMapping/>
   </p:clrMapOvr>
-  <mc:AlternateContent xmlns:mc="http://schemas.openxmlformats.org/markup-compatibility/2006">
-    <mc:Choice xmlns:p14="http://schemas.microsoft.com/office/powerpoint/2010/main" Requires="p14">
+  <mc:AlternateContent xmlns:mc="http://schemas.openxmlformats.org/markup-compatibility/2006" xmlns:p14="http://schemas.microsoft.com/office/powerpoint/2010/main">
+    <mc:Choice Requires="p14">
       <p:transition spd="slow" p14:dur="2000" advClick="0"/>
     </mc:Choice>
-    <mc:Fallback>
+    <mc:Fallback xmlns="">
       <p:transition spd="slow" advClick="0"/>
     </mc:Fallback>
   </mc:AlternateContent>
